--- a/Group_3_Elaboration 3.pptx
+++ b/Group_3_Elaboration 3.pptx
@@ -7335,7 +7335,7 @@
             <a:pPr algn="ctr"/>
             <a:r>
               <a:rPr lang="en-US" sz="2800" dirty="0"/>
-              <a:t>STATE DIAGRAM:</a:t>
+              <a:t>STATE MACHINE DIAGRAM:</a:t>
             </a:r>
             <a:br>
               <a:rPr lang="en-US" sz="2800" dirty="0"/>
